--- a/Presentation-Slides-CSharp-EN/Chapter-1-Into-Programming/06.Creating-a-Console-Application.pptx
+++ b/Presentation-Slides-CSharp-EN/Chapter-1-Into-Programming/06.Creating-a-Console-Application.pptx
@@ -5,22 +5,20 @@
     <p:sldMasterId id="2147483660" r:id="rId2"/>
   </p:sldMasterIdLst>
   <p:notesMasterIdLst>
-    <p:notesMasterId r:id="rId13"/>
+    <p:notesMasterId r:id="rId11"/>
   </p:notesMasterIdLst>
   <p:handoutMasterIdLst>
-    <p:handoutMasterId r:id="rId14"/>
+    <p:handoutMasterId r:id="rId12"/>
   </p:handoutMasterIdLst>
   <p:sldIdLst>
     <p:sldId id="397" r:id="rId3"/>
-    <p:sldId id="396" r:id="rId4"/>
-    <p:sldId id="433" r:id="rId5"/>
-    <p:sldId id="398" r:id="rId6"/>
-    <p:sldId id="399" r:id="rId7"/>
-    <p:sldId id="403" r:id="rId8"/>
-    <p:sldId id="400" r:id="rId9"/>
-    <p:sldId id="411" r:id="rId10"/>
-    <p:sldId id="401" r:id="rId11"/>
-    <p:sldId id="278" r:id="rId12"/>
+    <p:sldId id="398" r:id="rId4"/>
+    <p:sldId id="399" r:id="rId5"/>
+    <p:sldId id="403" r:id="rId6"/>
+    <p:sldId id="400" r:id="rId7"/>
+    <p:sldId id="411" r:id="rId8"/>
+    <p:sldId id="401" r:id="rId9"/>
+    <p:sldId id="278" r:id="rId10"/>
   </p:sldIdLst>
   <p:sldSz cx="12188825" cy="6858000"/>
   <p:notesSz cx="6858000" cy="9144000"/>
@@ -235,7 +233,7 @@
             <a:fld id="{FE5B4EDC-59C0-49C7-8ADA-5A781B329E02}" type="datetimeFigureOut">
               <a:rPr lang="en-US"/>
               <a:pPr/>
-              <a:t>11-Feb-19</a:t>
+              <a:t>15-Feb-19</a:t>
             </a:fld>
             <a:endParaRPr dirty="0"/>
           </a:p>
@@ -434,7 +432,7 @@
             <a:fld id="{F2D8D46A-B586-417D-BFBD-8C8FE0AAF762}" type="datetimeFigureOut">
               <a:rPr lang="en-US" smtClean="0"/>
               <a:pPr/>
-              <a:t>11-Feb-19</a:t>
+              <a:t>15-Feb-19</a:t>
             </a:fld>
             <a:endParaRPr lang="en-US"/>
           </a:p>
@@ -1447,7 +1445,7 @@
             <a:fld id="{055373AC-9AA7-423B-BA00-BA1C74164DBD}" type="datetime1">
               <a:rPr lang="en-US" smtClean="0"/>
               <a:pPr/>
-              <a:t>11-Feb-19</a:t>
+              <a:t>15-Feb-19</a:t>
             </a:fld>
             <a:endParaRPr lang="en-US" dirty="0"/>
           </a:p>
@@ -1978,7 +1976,7 @@
             <a:fld id="{055373AC-9AA7-423B-BA00-BA1C74164DBD}" type="datetime1">
               <a:rPr lang="en-US" smtClean="0"/>
               <a:pPr/>
-              <a:t>11-Feb-19</a:t>
+              <a:t>15-Feb-19</a:t>
             </a:fld>
             <a:endParaRPr lang="en-US" dirty="0"/>
           </a:p>
@@ -2609,1316 +2607,7 @@
 </p:sld>
 </file>
 
-<file path=ppt/slides/slide10.xml><?xml version="1.0" encoding="utf-8"?>
-<p:sld xmlns:a="http://schemas.openxmlformats.org/drawingml/2006/main" xmlns:r="http://schemas.openxmlformats.org/officeDocument/2006/relationships" xmlns:p="http://schemas.openxmlformats.org/presentationml/2006/main">
-  <p:cSld>
-    <p:spTree>
-      <p:nvGrpSpPr>
-        <p:cNvPr id="1" name=""/>
-        <p:cNvGrpSpPr/>
-        <p:nvPr/>
-      </p:nvGrpSpPr>
-      <p:grpSpPr>
-        <a:xfrm>
-          <a:off x="0" y="0"/>
-          <a:ext cx="0" cy="0"/>
-          <a:chOff x="0" y="0"/>
-          <a:chExt cx="0" cy="0"/>
-        </a:xfrm>
-      </p:grpSpPr>
-      <p:pic>
-        <p:nvPicPr>
-          <p:cNvPr id="6" name="Graphic 5" descr="Teacher">
-            <a:extLst>
-              <a:ext uri="{FF2B5EF4-FFF2-40B4-BE49-F238E27FC236}">
-                <a16:creationId xmlns:a16="http://schemas.microsoft.com/office/drawing/2014/main" id="{2B2095DC-09C9-4F0A-B3AA-7B62240EEB64}"/>
-              </a:ext>
-            </a:extLst>
-          </p:cNvPr>
-          <p:cNvPicPr>
-            <a:picLocks noChangeAspect="1"/>
-          </p:cNvPicPr>
-          <p:nvPr/>
-        </p:nvPicPr>
-        <p:blipFill rotWithShape="1">
-          <a:blip r:embed="rId2" cstate="print">
-            <a:extLst>
-              <a:ext uri="{28A0092B-C50C-407E-A947-70E740481C1C}">
-                <a14:useLocalDpi xmlns:a14="http://schemas.microsoft.com/office/drawing/2010/main" val="0"/>
-              </a:ext>
-              <a:ext uri="{96DAC541-7B7A-43D3-8B79-37D633B846F1}">
-                <asvg:svgBlip xmlns:asvg="http://schemas.microsoft.com/office/drawing/2016/SVG/main" r:embed="rId3"/>
-              </a:ext>
-            </a:extLst>
-          </a:blip>
-          <a:srcRect l="3513" t="18824" r="3513" b="18824"/>
-          <a:stretch/>
-        </p:blipFill>
-        <p:spPr>
-          <a:xfrm>
-            <a:off x="2208212" y="1600200"/>
-            <a:ext cx="7620000" cy="4452036"/>
-          </a:xfrm>
-          <a:prstGeom prst="rect">
-            <a:avLst/>
-          </a:prstGeom>
-        </p:spPr>
-      </p:pic>
-      <p:sp>
-        <p:nvSpPr>
-          <p:cNvPr id="14" name="Title 13">
-            <a:extLst>
-              <a:ext uri="{FF2B5EF4-FFF2-40B4-BE49-F238E27FC236}">
-                <a16:creationId xmlns:a16="http://schemas.microsoft.com/office/drawing/2014/main" id="{5A21F164-F73F-4879-9293-D4D79AE3A5D0}"/>
-              </a:ext>
-            </a:extLst>
-          </p:cNvPr>
-          <p:cNvSpPr>
-            <a:spLocks noGrp="1"/>
-          </p:cNvSpPr>
-          <p:nvPr>
-            <p:ph type="title"/>
-          </p:nvPr>
-        </p:nvSpPr>
-        <p:spPr>
-          <a:xfrm>
-            <a:off x="188815" y="40341"/>
-            <a:ext cx="11620597" cy="1110780"/>
-          </a:xfrm>
-        </p:spPr>
-        <p:txBody>
-          <a:bodyPr>
-            <a:normAutofit/>
-          </a:bodyPr>
-          <a:lstStyle/>
-          <a:p>
-            <a:r>
-              <a:rPr lang="en-US" sz="4400" dirty="0"/>
-              <a:t>First Console Application in Visual Studio</a:t>
-            </a:r>
-          </a:p>
-        </p:txBody>
-      </p:sp>
-      <p:sp>
-        <p:nvSpPr>
-          <p:cNvPr id="17" name="TextBox 16">
-            <a:extLst>
-              <a:ext uri="{FF2B5EF4-FFF2-40B4-BE49-F238E27FC236}">
-                <a16:creationId xmlns:a16="http://schemas.microsoft.com/office/drawing/2014/main" id="{9A976462-45D9-4CA5-829F-30A529BB8769}"/>
-              </a:ext>
-            </a:extLst>
-          </p:cNvPr>
-          <p:cNvSpPr txBox="1"/>
-          <p:nvPr/>
-        </p:nvSpPr>
-        <p:spPr>
-          <a:xfrm>
-            <a:off x="5073741" y="2369978"/>
-            <a:ext cx="3906940" cy="834908"/>
-          </a:xfrm>
-          <a:prstGeom prst="roundRect">
-            <a:avLst>
-              <a:gd name="adj" fmla="val 5449"/>
-            </a:avLst>
-          </a:prstGeom>
-          <a:solidFill>
-            <a:schemeClr val="tx2">
-              <a:lumMod val="75000"/>
-            </a:schemeClr>
-          </a:solidFill>
-        </p:spPr>
-        <p:txBody>
-          <a:bodyPr wrap="none" lIns="108000" tIns="36000" rIns="108000" bIns="36000" rtlCol="0">
-            <a:spAutoFit/>
-          </a:bodyPr>
-          <a:lstStyle/>
-          <a:p>
-            <a:r>
-              <a:rPr lang="en-US" sz="4800" b="1" dirty="0">
-                <a:solidFill>
-                  <a:schemeClr val="bg1"/>
-                </a:solidFill>
-              </a:rPr>
-              <a:t>Try It Yourself!</a:t>
-            </a:r>
-          </a:p>
-        </p:txBody>
-      </p:sp>
-    </p:spTree>
-    <p:extLst>
-      <p:ext uri="{BB962C8B-B14F-4D97-AF65-F5344CB8AC3E}">
-        <p14:creationId xmlns:p14="http://schemas.microsoft.com/office/powerpoint/2010/main" val="3621599356"/>
-      </p:ext>
-    </p:extLst>
-  </p:cSld>
-  <p:clrMapOvr>
-    <a:masterClrMapping/>
-  </p:clrMapOvr>
-</p:sld>
-</file>
-
 <file path=ppt/slides/slide2.xml><?xml version="1.0" encoding="utf-8"?>
-<p:sld xmlns:a="http://schemas.openxmlformats.org/drawingml/2006/main" xmlns:r="http://schemas.openxmlformats.org/officeDocument/2006/relationships" xmlns:p="http://schemas.openxmlformats.org/presentationml/2006/main">
-  <p:cSld>
-    <p:spTree>
-      <p:nvGrpSpPr>
-        <p:cNvPr id="1" name=""/>
-        <p:cNvGrpSpPr/>
-        <p:nvPr/>
-      </p:nvGrpSpPr>
-      <p:grpSpPr>
-        <a:xfrm>
-          <a:off x="0" y="0"/>
-          <a:ext cx="0" cy="0"/>
-          <a:chOff x="0" y="0"/>
-          <a:chExt cx="0" cy="0"/>
-        </a:xfrm>
-      </p:grpSpPr>
-      <p:sp>
-        <p:nvSpPr>
-          <p:cNvPr id="2" name="Slide Number Placeholder 1"/>
-          <p:cNvSpPr>
-            <a:spLocks noGrp="1"/>
-          </p:cNvSpPr>
-          <p:nvPr>
-            <p:ph type="sldNum" sz="quarter" idx="4"/>
-          </p:nvPr>
-        </p:nvSpPr>
-        <p:spPr/>
-        <p:txBody>
-          <a:bodyPr/>
-          <a:lstStyle/>
-          <a:p>
-            <a:fld id="{C014DD1E-5D91-48A3-AD6D-45FBA980D106}" type="slidenum">
-              <a:rPr lang="en-US" smtClean="0"/>
-              <a:pPr/>
-              <a:t>2</a:t>
-            </a:fld>
-            <a:endParaRPr lang="en-US" dirty="0"/>
-          </a:p>
-        </p:txBody>
-      </p:sp>
-      <p:sp>
-        <p:nvSpPr>
-          <p:cNvPr id="3" name="Content Placeholder 2"/>
-          <p:cNvSpPr>
-            <a:spLocks noGrp="1"/>
-          </p:cNvSpPr>
-          <p:nvPr>
-            <p:ph idx="1"/>
-          </p:nvPr>
-        </p:nvSpPr>
-        <p:spPr/>
-        <p:txBody>
-          <a:bodyPr>
-            <a:normAutofit/>
-          </a:bodyPr>
-          <a:lstStyle/>
-          <a:p>
-            <a:r>
-              <a:rPr lang="en-US" dirty="0"/>
-              <a:t>In order to program, we need an </a:t>
-            </a:r>
-            <a:r>
-              <a:rPr lang="en-US" dirty="0">
-                <a:solidFill>
-                  <a:schemeClr val="tx2">
-                    <a:lumMod val="75000"/>
-                  </a:schemeClr>
-                </a:solidFill>
-              </a:rPr>
-              <a:t>IDE</a:t>
-            </a:r>
-          </a:p>
-          <a:p>
-            <a:pPr lvl="1"/>
-            <a:r>
-              <a:rPr lang="en-US" dirty="0"/>
-              <a:t>For </a:t>
-            </a:r>
-            <a:r>
-              <a:rPr lang="en-US" b="1" dirty="0">
-                <a:solidFill>
-                  <a:schemeClr val="tx2">
-                    <a:lumMod val="75000"/>
-                  </a:schemeClr>
-                </a:solidFill>
-              </a:rPr>
-              <a:t>C#</a:t>
-            </a:r>
-            <a:r>
-              <a:rPr lang="en-US" dirty="0"/>
-              <a:t> </a:t>
-            </a:r>
-            <a:r>
-              <a:rPr lang="en-US" dirty="0">
-                <a:sym typeface="Wingdings" panose="05000000000000000000" pitchFamily="2" charset="2"/>
-              </a:rPr>
-              <a:t></a:t>
-            </a:r>
-          </a:p>
-          <a:p>
-            <a:pPr lvl="2"/>
-            <a:r>
-              <a:rPr lang="en-US" b="1" dirty="0">
-                <a:solidFill>
-                  <a:schemeClr val="tx2">
-                    <a:lumMod val="75000"/>
-                  </a:schemeClr>
-                </a:solidFill>
-              </a:rPr>
-              <a:t>Visual Studio </a:t>
-            </a:r>
-            <a:r>
-              <a:rPr lang="en-US" dirty="0"/>
-              <a:t>(for Windows)</a:t>
-            </a:r>
-          </a:p>
-          <a:p>
-            <a:pPr lvl="2"/>
-            <a:r>
-              <a:rPr lang="en-US" b="1" dirty="0">
-                <a:solidFill>
-                  <a:schemeClr val="tx2">
-                    <a:lumMod val="75000"/>
-                  </a:schemeClr>
-                </a:solidFill>
-              </a:rPr>
-              <a:t>Visual Studio</a:t>
-            </a:r>
-            <a:r>
-              <a:rPr lang="en-US" dirty="0">
-                <a:solidFill>
-                  <a:schemeClr val="tx2">
-                    <a:lumMod val="75000"/>
-                  </a:schemeClr>
-                </a:solidFill>
-              </a:rPr>
-              <a:t> </a:t>
-            </a:r>
-            <a:r>
-              <a:rPr lang="en-US" dirty="0"/>
-              <a:t>/ </a:t>
-            </a:r>
-            <a:r>
-              <a:rPr lang="en-US" b="1" dirty="0">
-                <a:solidFill>
-                  <a:schemeClr val="tx2">
-                    <a:lumMod val="75000"/>
-                  </a:schemeClr>
-                </a:solidFill>
-              </a:rPr>
-              <a:t>Raider</a:t>
-            </a:r>
-            <a:r>
-              <a:rPr lang="en-US" dirty="0"/>
-              <a:t> (for macOS)</a:t>
-            </a:r>
-          </a:p>
-          <a:p>
-            <a:pPr lvl="2"/>
-            <a:r>
-              <a:rPr lang="en-US" b="1" dirty="0">
-                <a:solidFill>
-                  <a:schemeClr val="tx2">
-                    <a:lumMod val="75000"/>
-                  </a:schemeClr>
-                </a:solidFill>
-                <a:sym typeface="Wingdings" panose="05000000000000000000" pitchFamily="2" charset="2"/>
-              </a:rPr>
-              <a:t>Visual Studio Code</a:t>
-            </a:r>
-            <a:r>
-              <a:rPr lang="en-US" dirty="0">
-                <a:solidFill>
-                  <a:schemeClr val="tx2">
-                    <a:lumMod val="75000"/>
-                  </a:schemeClr>
-                </a:solidFill>
-                <a:sym typeface="Wingdings" panose="05000000000000000000" pitchFamily="2" charset="2"/>
-              </a:rPr>
-              <a:t> </a:t>
-            </a:r>
-            <a:r>
-              <a:rPr lang="en-US" dirty="0">
-                <a:sym typeface="Wingdings" panose="05000000000000000000" pitchFamily="2" charset="2"/>
-              </a:rPr>
-              <a:t>/ </a:t>
-            </a:r>
-            <a:r>
-              <a:rPr lang="en-US" b="1" dirty="0">
-                <a:solidFill>
-                  <a:schemeClr val="tx2">
-                    <a:lumMod val="75000"/>
-                  </a:schemeClr>
-                </a:solidFill>
-                <a:sym typeface="Wingdings" panose="05000000000000000000" pitchFamily="2" charset="2"/>
-              </a:rPr>
-              <a:t>Raider</a:t>
-            </a:r>
-            <a:r>
-              <a:rPr lang="en-US" dirty="0">
-                <a:sym typeface="Wingdings" panose="05000000000000000000" pitchFamily="2" charset="2"/>
-              </a:rPr>
-              <a:t> (for Linux)</a:t>
-            </a:r>
-          </a:p>
-          <a:p>
-            <a:pPr lvl="1"/>
-            <a:r>
-              <a:rPr lang="en-US" dirty="0">
-                <a:sym typeface="Wingdings" panose="05000000000000000000" pitchFamily="2" charset="2"/>
-              </a:rPr>
-              <a:t>For </a:t>
-            </a:r>
-            <a:r>
-              <a:rPr lang="en-US" b="1" dirty="0">
-                <a:solidFill>
-                  <a:schemeClr val="tx2">
-                    <a:lumMod val="75000"/>
-                  </a:schemeClr>
-                </a:solidFill>
-                <a:sym typeface="Wingdings" panose="05000000000000000000" pitchFamily="2" charset="2"/>
-              </a:rPr>
-              <a:t>Java</a:t>
-            </a:r>
-            <a:r>
-              <a:rPr lang="en-US" dirty="0">
-                <a:sym typeface="Wingdings" panose="05000000000000000000" pitchFamily="2" charset="2"/>
-              </a:rPr>
-              <a:t>  </a:t>
-            </a:r>
-            <a:r>
-              <a:rPr lang="en-US" b="1" dirty="0">
-                <a:solidFill>
-                  <a:schemeClr val="tx2">
-                    <a:lumMod val="75000"/>
-                  </a:schemeClr>
-                </a:solidFill>
-                <a:sym typeface="Wingdings" panose="05000000000000000000" pitchFamily="2" charset="2"/>
-              </a:rPr>
-              <a:t>IntelliJ IDEA</a:t>
-            </a:r>
-            <a:r>
-              <a:rPr lang="en-US" dirty="0">
-                <a:sym typeface="Wingdings" panose="05000000000000000000" pitchFamily="2" charset="2"/>
-              </a:rPr>
-              <a:t> / </a:t>
-            </a:r>
-            <a:r>
-              <a:rPr lang="en-US" b="1" dirty="0">
-                <a:solidFill>
-                  <a:schemeClr val="tx2">
-                    <a:lumMod val="75000"/>
-                  </a:schemeClr>
-                </a:solidFill>
-                <a:sym typeface="Wingdings" panose="05000000000000000000" pitchFamily="2" charset="2"/>
-              </a:rPr>
-              <a:t>Eclipse</a:t>
-            </a:r>
-          </a:p>
-          <a:p>
-            <a:pPr lvl="1"/>
-            <a:r>
-              <a:rPr lang="en-US" dirty="0">
-                <a:sym typeface="Wingdings" panose="05000000000000000000" pitchFamily="2" charset="2"/>
-              </a:rPr>
-              <a:t>For </a:t>
-            </a:r>
-            <a:r>
-              <a:rPr lang="en-US" b="1" dirty="0">
-                <a:solidFill>
-                  <a:schemeClr val="tx2">
-                    <a:lumMod val="75000"/>
-                  </a:schemeClr>
-                </a:solidFill>
-                <a:sym typeface="Wingdings" panose="05000000000000000000" pitchFamily="2" charset="2"/>
-              </a:rPr>
-              <a:t>Python</a:t>
-            </a:r>
-            <a:r>
-              <a:rPr lang="en-US" dirty="0">
-                <a:sym typeface="Wingdings" panose="05000000000000000000" pitchFamily="2" charset="2"/>
-              </a:rPr>
-              <a:t>  </a:t>
-            </a:r>
-            <a:r>
-              <a:rPr lang="en-US" b="1" dirty="0">
-                <a:solidFill>
-                  <a:schemeClr val="tx2">
-                    <a:lumMod val="75000"/>
-                  </a:schemeClr>
-                </a:solidFill>
-                <a:sym typeface="Wingdings" panose="05000000000000000000" pitchFamily="2" charset="2"/>
-              </a:rPr>
-              <a:t>PyCharm </a:t>
-            </a:r>
-            <a:r>
-              <a:rPr lang="en-US" dirty="0">
-                <a:sym typeface="Wingdings" panose="05000000000000000000" pitchFamily="2" charset="2"/>
-              </a:rPr>
-              <a:t>/ </a:t>
-            </a:r>
-            <a:r>
-              <a:rPr lang="en-US" b="1" dirty="0">
-                <a:solidFill>
-                  <a:schemeClr val="tx2">
-                    <a:lumMod val="75000"/>
-                  </a:schemeClr>
-                </a:solidFill>
-                <a:sym typeface="Wingdings" panose="05000000000000000000" pitchFamily="2" charset="2"/>
-              </a:rPr>
-              <a:t>Eclipse</a:t>
-            </a:r>
-            <a:r>
-              <a:rPr lang="en-US" dirty="0">
-                <a:sym typeface="Wingdings" panose="05000000000000000000" pitchFamily="2" charset="2"/>
-              </a:rPr>
-              <a:t> / </a:t>
-            </a:r>
-            <a:r>
-              <a:rPr lang="en-US" b="1" dirty="0">
-                <a:solidFill>
-                  <a:schemeClr val="tx2">
-                    <a:lumMod val="75000"/>
-                  </a:schemeClr>
-                </a:solidFill>
-                <a:sym typeface="Wingdings" panose="05000000000000000000" pitchFamily="2" charset="2"/>
-              </a:rPr>
-              <a:t>Visual Studio Code</a:t>
-            </a:r>
-          </a:p>
-          <a:p>
-            <a:pPr lvl="1"/>
-            <a:r>
-              <a:rPr lang="en-US" dirty="0">
-                <a:sym typeface="Wingdings" panose="05000000000000000000" pitchFamily="2" charset="2"/>
-              </a:rPr>
-              <a:t>For </a:t>
-            </a:r>
-            <a:r>
-              <a:rPr lang="en-US" b="1" dirty="0">
-                <a:solidFill>
-                  <a:schemeClr val="tx2">
-                    <a:lumMod val="75000"/>
-                  </a:schemeClr>
-                </a:solidFill>
-                <a:sym typeface="Wingdings" panose="05000000000000000000" pitchFamily="2" charset="2"/>
-              </a:rPr>
-              <a:t>JavaScript</a:t>
-            </a:r>
-            <a:r>
-              <a:rPr lang="en-US" dirty="0">
-                <a:sym typeface="Wingdings" panose="05000000000000000000" pitchFamily="2" charset="2"/>
-              </a:rPr>
-              <a:t>  </a:t>
-            </a:r>
-            <a:r>
-              <a:rPr lang="en-US" b="1" dirty="0">
-                <a:solidFill>
-                  <a:schemeClr val="tx2">
-                    <a:lumMod val="75000"/>
-                  </a:schemeClr>
-                </a:solidFill>
-                <a:sym typeface="Wingdings" panose="05000000000000000000" pitchFamily="2" charset="2"/>
-              </a:rPr>
-              <a:t>WebStorm</a:t>
-            </a:r>
-            <a:r>
-              <a:rPr lang="en-US" dirty="0">
-                <a:sym typeface="Wingdings" panose="05000000000000000000" pitchFamily="2" charset="2"/>
-              </a:rPr>
-              <a:t> / </a:t>
-            </a:r>
-            <a:r>
-              <a:rPr lang="en-US" b="1" dirty="0">
-                <a:solidFill>
-                  <a:schemeClr val="tx2">
-                    <a:lumMod val="75000"/>
-                  </a:schemeClr>
-                </a:solidFill>
-                <a:sym typeface="Wingdings" panose="05000000000000000000" pitchFamily="2" charset="2"/>
-              </a:rPr>
-              <a:t>Visual Studio Code</a:t>
-            </a:r>
-            <a:endParaRPr lang="en-US" b="1" dirty="0">
-              <a:solidFill>
-                <a:schemeClr val="tx2">
-                  <a:lumMod val="75000"/>
-                </a:schemeClr>
-              </a:solidFill>
-            </a:endParaRPr>
-          </a:p>
-        </p:txBody>
-      </p:sp>
-      <p:sp>
-        <p:nvSpPr>
-          <p:cNvPr id="4" name="Title 3"/>
-          <p:cNvSpPr>
-            <a:spLocks noGrp="1"/>
-          </p:cNvSpPr>
-          <p:nvPr>
-            <p:ph type="title"/>
-          </p:nvPr>
-        </p:nvSpPr>
-        <p:spPr>
-          <a:xfrm>
-            <a:off x="188815" y="40341"/>
-            <a:ext cx="11696797" cy="1110780"/>
-          </a:xfrm>
-        </p:spPr>
-        <p:txBody>
-          <a:bodyPr>
-            <a:normAutofit/>
-          </a:bodyPr>
-          <a:lstStyle/>
-          <a:p>
-            <a:r>
-              <a:rPr lang="en-US" sz="4400" dirty="0"/>
-              <a:t>Integrated Development Environment (IDE)</a:t>
-            </a:r>
-          </a:p>
-        </p:txBody>
-      </p:sp>
-      <p:pic>
-        <p:nvPicPr>
-          <p:cNvPr id="1026" name="Picture 2" descr="https://csharp-book.softuni.org/assets/chapter-1-images/01.Hello-csharp-03.png">
-            <a:extLst>
-              <a:ext uri="{FF2B5EF4-FFF2-40B4-BE49-F238E27FC236}">
-                <a16:creationId xmlns:a16="http://schemas.microsoft.com/office/drawing/2014/main" id="{C2071181-D497-487F-ADD6-BBFEBA173FF9}"/>
-              </a:ext>
-            </a:extLst>
-          </p:cNvPr>
-          <p:cNvPicPr>
-            <a:picLocks noChangeAspect="1" noChangeArrowheads="1"/>
-          </p:cNvPicPr>
-          <p:nvPr/>
-        </p:nvPicPr>
-        <p:blipFill>
-          <a:blip r:embed="rId2">
-            <a:extLst>
-              <a:ext uri="{28A0092B-C50C-407E-A947-70E740481C1C}">
-                <a14:useLocalDpi xmlns:a14="http://schemas.microsoft.com/office/drawing/2010/main" val="0"/>
-              </a:ext>
-            </a:extLst>
-          </a:blip>
-          <a:srcRect/>
-          <a:stretch>
-            <a:fillRect/>
-          </a:stretch>
-        </p:blipFill>
-        <p:spPr bwMode="auto">
-          <a:xfrm>
-            <a:off x="7389812" y="1981200"/>
-            <a:ext cx="4343400" cy="2752124"/>
-          </a:xfrm>
-          <a:prstGeom prst="rect">
-            <a:avLst/>
-          </a:prstGeom>
-          <a:noFill/>
-          <a:extLst>
-            <a:ext uri="{909E8E84-426E-40DD-AFC4-6F175D3DCCD1}">
-              <a14:hiddenFill xmlns:a14="http://schemas.microsoft.com/office/drawing/2010/main">
-                <a:solidFill>
-                  <a:srgbClr val="FFFFFF"/>
-                </a:solidFill>
-              </a14:hiddenFill>
-            </a:ext>
-          </a:extLst>
-        </p:spPr>
-      </p:pic>
-    </p:spTree>
-    <p:extLst>
-      <p:ext uri="{BB962C8B-B14F-4D97-AF65-F5344CB8AC3E}">
-        <p14:creationId xmlns:p14="http://schemas.microsoft.com/office/powerpoint/2010/main" val="4016753692"/>
-      </p:ext>
-    </p:extLst>
-  </p:cSld>
-  <p:clrMapOvr>
-    <a:masterClrMapping/>
-  </p:clrMapOvr>
-  <p:timing>
-    <p:tnLst>
-      <p:par>
-        <p:cTn id="1" dur="indefinite" restart="never" nodeType="tmRoot">
-          <p:childTnLst>
-            <p:seq concurrent="1" nextAc="seek">
-              <p:cTn id="2" dur="indefinite" nodeType="mainSeq">
-                <p:childTnLst>
-                  <p:par>
-                    <p:cTn id="3" fill="hold">
-                      <p:stCondLst>
-                        <p:cond delay="indefinite"/>
-                      </p:stCondLst>
-                      <p:childTnLst>
-                        <p:par>
-                          <p:cTn id="4" fill="hold">
-                            <p:stCondLst>
-                              <p:cond delay="0"/>
-                            </p:stCondLst>
-                            <p:childTnLst>
-                              <p:par>
-                                <p:cTn id="5" presetID="1" presetClass="entr" presetSubtype="0" fill="hold" nodeType="clickEffect">
-                                  <p:stCondLst>
-                                    <p:cond delay="0"/>
-                                  </p:stCondLst>
-                                  <p:childTnLst>
-                                    <p:set>
-                                      <p:cBhvr>
-                                        <p:cTn id="6" dur="1" fill="hold">
-                                          <p:stCondLst>
-                                            <p:cond delay="0"/>
-                                          </p:stCondLst>
-                                        </p:cTn>
-                                        <p:tgtEl>
-                                          <p:spTgt spid="3">
-                                            <p:txEl>
-                                              <p:pRg st="3" end="3"/>
-                                            </p:txEl>
-                                          </p:spTgt>
-                                        </p:tgtEl>
-                                        <p:attrNameLst>
-                                          <p:attrName>style.visibility</p:attrName>
-                                        </p:attrNameLst>
-                                      </p:cBhvr>
-                                      <p:to>
-                                        <p:strVal val="visible"/>
-                                      </p:to>
-                                    </p:set>
-                                  </p:childTnLst>
-                                </p:cTn>
-                              </p:par>
-                            </p:childTnLst>
-                          </p:cTn>
-                        </p:par>
-                      </p:childTnLst>
-                    </p:cTn>
-                  </p:par>
-                  <p:par>
-                    <p:cTn id="7" fill="hold">
-                      <p:stCondLst>
-                        <p:cond delay="indefinite"/>
-                      </p:stCondLst>
-                      <p:childTnLst>
-                        <p:par>
-                          <p:cTn id="8" fill="hold">
-                            <p:stCondLst>
-                              <p:cond delay="0"/>
-                            </p:stCondLst>
-                            <p:childTnLst>
-                              <p:par>
-                                <p:cTn id="9" presetID="1" presetClass="entr" presetSubtype="0" fill="hold" nodeType="clickEffect">
-                                  <p:stCondLst>
-                                    <p:cond delay="0"/>
-                                  </p:stCondLst>
-                                  <p:childTnLst>
-                                    <p:set>
-                                      <p:cBhvr>
-                                        <p:cTn id="10" dur="1" fill="hold">
-                                          <p:stCondLst>
-                                            <p:cond delay="0"/>
-                                          </p:stCondLst>
-                                        </p:cTn>
-                                        <p:tgtEl>
-                                          <p:spTgt spid="3">
-                                            <p:txEl>
-                                              <p:pRg st="4" end="4"/>
-                                            </p:txEl>
-                                          </p:spTgt>
-                                        </p:tgtEl>
-                                        <p:attrNameLst>
-                                          <p:attrName>style.visibility</p:attrName>
-                                        </p:attrNameLst>
-                                      </p:cBhvr>
-                                      <p:to>
-                                        <p:strVal val="visible"/>
-                                      </p:to>
-                                    </p:set>
-                                  </p:childTnLst>
-                                </p:cTn>
-                              </p:par>
-                            </p:childTnLst>
-                          </p:cTn>
-                        </p:par>
-                      </p:childTnLst>
-                    </p:cTn>
-                  </p:par>
-                  <p:par>
-                    <p:cTn id="11" fill="hold">
-                      <p:stCondLst>
-                        <p:cond delay="indefinite"/>
-                      </p:stCondLst>
-                      <p:childTnLst>
-                        <p:par>
-                          <p:cTn id="12" fill="hold">
-                            <p:stCondLst>
-                              <p:cond delay="0"/>
-                            </p:stCondLst>
-                            <p:childTnLst>
-                              <p:par>
-                                <p:cTn id="13" presetID="1" presetClass="entr" presetSubtype="0" fill="hold" nodeType="clickEffect">
-                                  <p:stCondLst>
-                                    <p:cond delay="0"/>
-                                  </p:stCondLst>
-                                  <p:childTnLst>
-                                    <p:set>
-                                      <p:cBhvr>
-                                        <p:cTn id="14" dur="1" fill="hold">
-                                          <p:stCondLst>
-                                            <p:cond delay="0"/>
-                                          </p:stCondLst>
-                                        </p:cTn>
-                                        <p:tgtEl>
-                                          <p:spTgt spid="3">
-                                            <p:txEl>
-                                              <p:pRg st="5" end="5"/>
-                                            </p:txEl>
-                                          </p:spTgt>
-                                        </p:tgtEl>
-                                        <p:attrNameLst>
-                                          <p:attrName>style.visibility</p:attrName>
-                                        </p:attrNameLst>
-                                      </p:cBhvr>
-                                      <p:to>
-                                        <p:strVal val="visible"/>
-                                      </p:to>
-                                    </p:set>
-                                  </p:childTnLst>
-                                </p:cTn>
-                              </p:par>
-                            </p:childTnLst>
-                          </p:cTn>
-                        </p:par>
-                      </p:childTnLst>
-                    </p:cTn>
-                  </p:par>
-                  <p:par>
-                    <p:cTn id="15" fill="hold">
-                      <p:stCondLst>
-                        <p:cond delay="indefinite"/>
-                      </p:stCondLst>
-                      <p:childTnLst>
-                        <p:par>
-                          <p:cTn id="16" fill="hold">
-                            <p:stCondLst>
-                              <p:cond delay="0"/>
-                            </p:stCondLst>
-                            <p:childTnLst>
-                              <p:par>
-                                <p:cTn id="17" presetID="1" presetClass="entr" presetSubtype="0" fill="hold" nodeType="clickEffect">
-                                  <p:stCondLst>
-                                    <p:cond delay="0"/>
-                                  </p:stCondLst>
-                                  <p:childTnLst>
-                                    <p:set>
-                                      <p:cBhvr>
-                                        <p:cTn id="18" dur="1" fill="hold">
-                                          <p:stCondLst>
-                                            <p:cond delay="0"/>
-                                          </p:stCondLst>
-                                        </p:cTn>
-                                        <p:tgtEl>
-                                          <p:spTgt spid="3">
-                                            <p:txEl>
-                                              <p:pRg st="6" end="6"/>
-                                            </p:txEl>
-                                          </p:spTgt>
-                                        </p:tgtEl>
-                                        <p:attrNameLst>
-                                          <p:attrName>style.visibility</p:attrName>
-                                        </p:attrNameLst>
-                                      </p:cBhvr>
-                                      <p:to>
-                                        <p:strVal val="visible"/>
-                                      </p:to>
-                                    </p:set>
-                                  </p:childTnLst>
-                                </p:cTn>
-                              </p:par>
-                            </p:childTnLst>
-                          </p:cTn>
-                        </p:par>
-                      </p:childTnLst>
-                    </p:cTn>
-                  </p:par>
-                  <p:par>
-                    <p:cTn id="19" fill="hold">
-                      <p:stCondLst>
-                        <p:cond delay="indefinite"/>
-                      </p:stCondLst>
-                      <p:childTnLst>
-                        <p:par>
-                          <p:cTn id="20" fill="hold">
-                            <p:stCondLst>
-                              <p:cond delay="0"/>
-                            </p:stCondLst>
-                            <p:childTnLst>
-                              <p:par>
-                                <p:cTn id="21" presetID="1" presetClass="entr" presetSubtype="0" fill="hold" nodeType="clickEffect">
-                                  <p:stCondLst>
-                                    <p:cond delay="0"/>
-                                  </p:stCondLst>
-                                  <p:childTnLst>
-                                    <p:set>
-                                      <p:cBhvr>
-                                        <p:cTn id="22" dur="1" fill="hold">
-                                          <p:stCondLst>
-                                            <p:cond delay="0"/>
-                                          </p:stCondLst>
-                                        </p:cTn>
-                                        <p:tgtEl>
-                                          <p:spTgt spid="3">
-                                            <p:txEl>
-                                              <p:pRg st="7" end="7"/>
-                                            </p:txEl>
-                                          </p:spTgt>
-                                        </p:tgtEl>
-                                        <p:attrNameLst>
-                                          <p:attrName>style.visibility</p:attrName>
-                                        </p:attrNameLst>
-                                      </p:cBhvr>
-                                      <p:to>
-                                        <p:strVal val="visible"/>
-                                      </p:to>
-                                    </p:set>
-                                  </p:childTnLst>
-                                </p:cTn>
-                              </p:par>
-                            </p:childTnLst>
-                          </p:cTn>
-                        </p:par>
-                      </p:childTnLst>
-                    </p:cTn>
-                  </p:par>
-                </p:childTnLst>
-              </p:cTn>
-              <p:prevCondLst>
-                <p:cond evt="onPrev" delay="0">
-                  <p:tgtEl>
-                    <p:sldTgt/>
-                  </p:tgtEl>
-                </p:cond>
-              </p:prevCondLst>
-              <p:nextCondLst>
-                <p:cond evt="onNext" delay="0">
-                  <p:tgtEl>
-                    <p:sldTgt/>
-                  </p:tgtEl>
-                </p:cond>
-              </p:nextCondLst>
-            </p:seq>
-          </p:childTnLst>
-        </p:cTn>
-      </p:par>
-    </p:tnLst>
-  </p:timing>
-</p:sld>
-</file>
-
-<file path=ppt/slides/slide3.xml><?xml version="1.0" encoding="utf-8"?>
-<p:sld xmlns:a="http://schemas.openxmlformats.org/drawingml/2006/main" xmlns:r="http://schemas.openxmlformats.org/officeDocument/2006/relationships" xmlns:p="http://schemas.openxmlformats.org/presentationml/2006/main">
-  <p:cSld>
-    <p:spTree>
-      <p:nvGrpSpPr>
-        <p:cNvPr id="1" name=""/>
-        <p:cNvGrpSpPr/>
-        <p:nvPr/>
-      </p:nvGrpSpPr>
-      <p:grpSpPr>
-        <a:xfrm>
-          <a:off x="0" y="0"/>
-          <a:ext cx="0" cy="0"/>
-          <a:chOff x="0" y="0"/>
-          <a:chExt cx="0" cy="0"/>
-        </a:xfrm>
-      </p:grpSpPr>
-      <p:sp>
-        <p:nvSpPr>
-          <p:cNvPr id="2" name="Slide Number Placeholder 1"/>
-          <p:cNvSpPr>
-            <a:spLocks noGrp="1"/>
-          </p:cNvSpPr>
-          <p:nvPr>
-            <p:ph type="sldNum" sz="quarter" idx="4"/>
-          </p:nvPr>
-        </p:nvSpPr>
-        <p:spPr/>
-        <p:txBody>
-          <a:bodyPr/>
-          <a:lstStyle/>
-          <a:p>
-            <a:fld id="{C014DD1E-5D91-48A3-AD6D-45FBA980D106}" type="slidenum">
-              <a:rPr lang="en-US" smtClean="0"/>
-              <a:pPr/>
-              <a:t>3</a:t>
-            </a:fld>
-            <a:endParaRPr lang="en-US" dirty="0"/>
-          </a:p>
-        </p:txBody>
-      </p:sp>
-      <p:sp>
-        <p:nvSpPr>
-          <p:cNvPr id="3" name="Content Placeholder 2"/>
-          <p:cNvSpPr>
-            <a:spLocks noGrp="1"/>
-          </p:cNvSpPr>
-          <p:nvPr>
-            <p:ph idx="1"/>
-          </p:nvPr>
-        </p:nvSpPr>
-        <p:spPr/>
-        <p:txBody>
-          <a:bodyPr>
-            <a:normAutofit/>
-          </a:bodyPr>
-          <a:lstStyle/>
-          <a:p>
-            <a:r>
-              <a:rPr lang="en-US" dirty="0"/>
-              <a:t>Install Microsoft </a:t>
-            </a:r>
-            <a:r>
-              <a:rPr lang="en-US" b="1" dirty="0">
-                <a:solidFill>
-                  <a:schemeClr val="tx2">
-                    <a:lumMod val="75000"/>
-                  </a:schemeClr>
-                </a:solidFill>
-              </a:rPr>
-              <a:t>Visual Studio Community</a:t>
-            </a:r>
-          </a:p>
-          <a:p>
-            <a:pPr lvl="1"/>
-            <a:r>
-              <a:rPr lang="en-US" dirty="0">
-                <a:hlinkClick r:id="rId2"/>
-              </a:rPr>
-              <a:t>https://visualstudio.com/products/visual-studio-community-vs</a:t>
-            </a:r>
-            <a:endParaRPr lang="bg-BG" dirty="0"/>
-          </a:p>
-          <a:p>
-            <a:pPr lvl="1"/>
-            <a:r>
-              <a:rPr lang="en-US" dirty="0"/>
-              <a:t>You can use an older version, but it is not recommended</a:t>
-            </a:r>
-          </a:p>
-          <a:p>
-            <a:pPr>
-              <a:spcBef>
-                <a:spcPts val="1200"/>
-              </a:spcBef>
-            </a:pPr>
-            <a:r>
-              <a:rPr lang="en-US" dirty="0"/>
-              <a:t>Alternative IDE</a:t>
-            </a:r>
-            <a:r>
-              <a:rPr lang="bg-BG" dirty="0"/>
-              <a:t> (</a:t>
-            </a:r>
-            <a:r>
-              <a:rPr lang="en-US" dirty="0"/>
-              <a:t>online)</a:t>
-            </a:r>
-          </a:p>
-          <a:p>
-            <a:pPr lvl="1"/>
-            <a:r>
-              <a:rPr lang="en-US" dirty="0"/>
-              <a:t>C#: </a:t>
-            </a:r>
-            <a:r>
-              <a:rPr lang="en-US" dirty="0">
-                <a:hlinkClick r:id="rId3"/>
-              </a:rPr>
-              <a:t>https://dotnetfiddle.net</a:t>
-            </a:r>
-            <a:endParaRPr lang="en-US" dirty="0"/>
-          </a:p>
-          <a:p>
-            <a:pPr lvl="1"/>
-            <a:r>
-              <a:rPr lang="en-US" dirty="0"/>
-              <a:t>Java: </a:t>
-            </a:r>
-            <a:r>
-              <a:rPr lang="en-US" dirty="0">
-                <a:hlinkClick r:id="rId4"/>
-              </a:rPr>
-              <a:t>https://compilejava.net</a:t>
-            </a:r>
-            <a:r>
-              <a:rPr lang="bg-BG" dirty="0"/>
-              <a:t> </a:t>
-            </a:r>
-            <a:endParaRPr lang="en-US" dirty="0"/>
-          </a:p>
-          <a:p>
-            <a:pPr lvl="1"/>
-            <a:r>
-              <a:rPr lang="en-US" dirty="0"/>
-              <a:t>Python: </a:t>
-            </a:r>
-            <a:r>
-              <a:rPr lang="en-US" dirty="0">
-                <a:hlinkClick r:id="rId5"/>
-              </a:rPr>
-              <a:t>https://repl.it</a:t>
-            </a:r>
-            <a:endParaRPr lang="en-US" dirty="0"/>
-          </a:p>
-          <a:p>
-            <a:pPr lvl="1"/>
-            <a:r>
-              <a:rPr lang="en-US" dirty="0"/>
-              <a:t>JavaScript: directly use the browser console (press [F12] key)</a:t>
-            </a:r>
-            <a:endParaRPr lang="bg-BG" dirty="0"/>
-          </a:p>
-        </p:txBody>
-      </p:sp>
-      <p:sp>
-        <p:nvSpPr>
-          <p:cNvPr id="4" name="Title 3"/>
-          <p:cNvSpPr>
-            <a:spLocks noGrp="1"/>
-          </p:cNvSpPr>
-          <p:nvPr>
-            <p:ph type="title"/>
-          </p:nvPr>
-        </p:nvSpPr>
-        <p:spPr/>
-        <p:txBody>
-          <a:bodyPr/>
-          <a:lstStyle/>
-          <a:p>
-            <a:r>
-              <a:rPr lang="en-US" dirty="0"/>
-              <a:t>Integrated Development Environment (IDE)</a:t>
-            </a:r>
-          </a:p>
-        </p:txBody>
-      </p:sp>
-    </p:spTree>
-    <p:extLst>
-      <p:ext uri="{BB962C8B-B14F-4D97-AF65-F5344CB8AC3E}">
-        <p14:creationId xmlns:p14="http://schemas.microsoft.com/office/powerpoint/2010/main" val="3641119329"/>
-      </p:ext>
-    </p:extLst>
-  </p:cSld>
-  <p:clrMapOvr>
-    <a:masterClrMapping/>
-  </p:clrMapOvr>
-  <p:timing>
-    <p:tnLst>
-      <p:par>
-        <p:cTn id="1" dur="indefinite" restart="never" nodeType="tmRoot">
-          <p:childTnLst>
-            <p:seq concurrent="1" nextAc="seek">
-              <p:cTn id="2" dur="indefinite" nodeType="mainSeq">
-                <p:childTnLst>
-                  <p:par>
-                    <p:cTn id="3" fill="hold">
-                      <p:stCondLst>
-                        <p:cond delay="indefinite"/>
-                      </p:stCondLst>
-                      <p:childTnLst>
-                        <p:par>
-                          <p:cTn id="4" fill="hold">
-                            <p:stCondLst>
-                              <p:cond delay="0"/>
-                            </p:stCondLst>
-                            <p:childTnLst>
-                              <p:par>
-                                <p:cTn id="5" presetID="1" presetClass="entr" presetSubtype="0" fill="hold" nodeType="clickEffect">
-                                  <p:stCondLst>
-                                    <p:cond delay="0"/>
-                                  </p:stCondLst>
-                                  <p:childTnLst>
-                                    <p:set>
-                                      <p:cBhvr>
-                                        <p:cTn id="6" dur="1" fill="hold">
-                                          <p:stCondLst>
-                                            <p:cond delay="0"/>
-                                          </p:stCondLst>
-                                        </p:cTn>
-                                        <p:tgtEl>
-                                          <p:spTgt spid="3">
-                                            <p:txEl>
-                                              <p:pRg st="3" end="3"/>
-                                            </p:txEl>
-                                          </p:spTgt>
-                                        </p:tgtEl>
-                                        <p:attrNameLst>
-                                          <p:attrName>style.visibility</p:attrName>
-                                        </p:attrNameLst>
-                                      </p:cBhvr>
-                                      <p:to>
-                                        <p:strVal val="visible"/>
-                                      </p:to>
-                                    </p:set>
-                                  </p:childTnLst>
-                                </p:cTn>
-                              </p:par>
-                              <p:par>
-                                <p:cTn id="7" presetID="1" presetClass="entr" presetSubtype="0" fill="hold" nodeType="withEffect">
-                                  <p:stCondLst>
-                                    <p:cond delay="0"/>
-                                  </p:stCondLst>
-                                  <p:childTnLst>
-                                    <p:set>
-                                      <p:cBhvr>
-                                        <p:cTn id="8" dur="1" fill="hold">
-                                          <p:stCondLst>
-                                            <p:cond delay="0"/>
-                                          </p:stCondLst>
-                                        </p:cTn>
-                                        <p:tgtEl>
-                                          <p:spTgt spid="3">
-                                            <p:txEl>
-                                              <p:pRg st="4" end="4"/>
-                                            </p:txEl>
-                                          </p:spTgt>
-                                        </p:tgtEl>
-                                        <p:attrNameLst>
-                                          <p:attrName>style.visibility</p:attrName>
-                                        </p:attrNameLst>
-                                      </p:cBhvr>
-                                      <p:to>
-                                        <p:strVal val="visible"/>
-                                      </p:to>
-                                    </p:set>
-                                  </p:childTnLst>
-                                </p:cTn>
-                              </p:par>
-                              <p:par>
-                                <p:cTn id="9" presetID="1" presetClass="entr" presetSubtype="0" fill="hold" nodeType="withEffect">
-                                  <p:stCondLst>
-                                    <p:cond delay="0"/>
-                                  </p:stCondLst>
-                                  <p:childTnLst>
-                                    <p:set>
-                                      <p:cBhvr>
-                                        <p:cTn id="10" dur="1" fill="hold">
-                                          <p:stCondLst>
-                                            <p:cond delay="0"/>
-                                          </p:stCondLst>
-                                        </p:cTn>
-                                        <p:tgtEl>
-                                          <p:spTgt spid="3">
-                                            <p:txEl>
-                                              <p:pRg st="5" end="5"/>
-                                            </p:txEl>
-                                          </p:spTgt>
-                                        </p:tgtEl>
-                                        <p:attrNameLst>
-                                          <p:attrName>style.visibility</p:attrName>
-                                        </p:attrNameLst>
-                                      </p:cBhvr>
-                                      <p:to>
-                                        <p:strVal val="visible"/>
-                                      </p:to>
-                                    </p:set>
-                                  </p:childTnLst>
-                                </p:cTn>
-                              </p:par>
-                              <p:par>
-                                <p:cTn id="11" presetID="1" presetClass="entr" presetSubtype="0" fill="hold" nodeType="withEffect">
-                                  <p:stCondLst>
-                                    <p:cond delay="0"/>
-                                  </p:stCondLst>
-                                  <p:childTnLst>
-                                    <p:set>
-                                      <p:cBhvr>
-                                        <p:cTn id="12" dur="1" fill="hold">
-                                          <p:stCondLst>
-                                            <p:cond delay="0"/>
-                                          </p:stCondLst>
-                                        </p:cTn>
-                                        <p:tgtEl>
-                                          <p:spTgt spid="3">
-                                            <p:txEl>
-                                              <p:pRg st="6" end="6"/>
-                                            </p:txEl>
-                                          </p:spTgt>
-                                        </p:tgtEl>
-                                        <p:attrNameLst>
-                                          <p:attrName>style.visibility</p:attrName>
-                                        </p:attrNameLst>
-                                      </p:cBhvr>
-                                      <p:to>
-                                        <p:strVal val="visible"/>
-                                      </p:to>
-                                    </p:set>
-                                  </p:childTnLst>
-                                </p:cTn>
-                              </p:par>
-                              <p:par>
-                                <p:cTn id="13" presetID="1" presetClass="entr" presetSubtype="0" fill="hold" nodeType="withEffect">
-                                  <p:stCondLst>
-                                    <p:cond delay="0"/>
-                                  </p:stCondLst>
-                                  <p:childTnLst>
-                                    <p:set>
-                                      <p:cBhvr>
-                                        <p:cTn id="14" dur="1" fill="hold">
-                                          <p:stCondLst>
-                                            <p:cond delay="0"/>
-                                          </p:stCondLst>
-                                        </p:cTn>
-                                        <p:tgtEl>
-                                          <p:spTgt spid="3">
-                                            <p:txEl>
-                                              <p:pRg st="7" end="7"/>
-                                            </p:txEl>
-                                          </p:spTgt>
-                                        </p:tgtEl>
-                                        <p:attrNameLst>
-                                          <p:attrName>style.visibility</p:attrName>
-                                        </p:attrNameLst>
-                                      </p:cBhvr>
-                                      <p:to>
-                                        <p:strVal val="visible"/>
-                                      </p:to>
-                                    </p:set>
-                                  </p:childTnLst>
-                                </p:cTn>
-                              </p:par>
-                            </p:childTnLst>
-                          </p:cTn>
-                        </p:par>
-                      </p:childTnLst>
-                    </p:cTn>
-                  </p:par>
-                </p:childTnLst>
-              </p:cTn>
-              <p:prevCondLst>
-                <p:cond evt="onPrev" delay="0">
-                  <p:tgtEl>
-                    <p:sldTgt/>
-                  </p:tgtEl>
-                </p:cond>
-              </p:prevCondLst>
-              <p:nextCondLst>
-                <p:cond evt="onNext" delay="0">
-                  <p:tgtEl>
-                    <p:sldTgt/>
-                  </p:tgtEl>
-                </p:cond>
-              </p:nextCondLst>
-            </p:seq>
-          </p:childTnLst>
-        </p:cTn>
-      </p:par>
-    </p:tnLst>
-  </p:timing>
-</p:sld>
-</file>
-
-<file path=ppt/slides/slide4.xml><?xml version="1.0" encoding="utf-8"?>
 <p:sld xmlns:a="http://schemas.openxmlformats.org/drawingml/2006/main" xmlns:r="http://schemas.openxmlformats.org/officeDocument/2006/relationships" xmlns:p="http://schemas.openxmlformats.org/presentationml/2006/main">
   <p:cSld>
     <p:spTree>
@@ -4112,7 +2801,7 @@
             <a:fld id="{C014DD1E-5D91-48A3-AD6D-45FBA980D106}" type="slidenum">
               <a:rPr lang="en-US" smtClean="0"/>
               <a:pPr/>
-              <a:t>4</a:t>
+              <a:t>2</a:t>
             </a:fld>
             <a:endParaRPr lang="en-US" dirty="0"/>
           </a:p>
@@ -4489,7 +3178,7 @@
 </p:sld>
 </file>
 
-<file path=ppt/slides/slide5.xml><?xml version="1.0" encoding="utf-8"?>
+<file path=ppt/slides/slide3.xml><?xml version="1.0" encoding="utf-8"?>
 <p:sld xmlns:a="http://schemas.openxmlformats.org/drawingml/2006/main" xmlns:r="http://schemas.openxmlformats.org/officeDocument/2006/relationships" xmlns:p="http://schemas.openxmlformats.org/presentationml/2006/main">
   <p:cSld>
     <p:spTree>
@@ -4524,7 +3213,7 @@
             <a:fld id="{C014DD1E-5D91-48A3-AD6D-45FBA980D106}" type="slidenum">
               <a:rPr lang="en-US" smtClean="0"/>
               <a:pPr/>
-              <a:t>5</a:t>
+              <a:t>3</a:t>
             </a:fld>
             <a:endParaRPr lang="en-US" dirty="0"/>
           </a:p>
@@ -4980,7 +3669,7 @@
 </p:sld>
 </file>
 
-<file path=ppt/slides/slide6.xml><?xml version="1.0" encoding="utf-8"?>
+<file path=ppt/slides/slide4.xml><?xml version="1.0" encoding="utf-8"?>
 <p:sld xmlns:a="http://schemas.openxmlformats.org/drawingml/2006/main" xmlns:r="http://schemas.openxmlformats.org/officeDocument/2006/relationships" xmlns:p="http://schemas.openxmlformats.org/presentationml/2006/main">
   <p:cSld>
     <p:spTree>
@@ -5015,7 +3704,7 @@
             <a:fld id="{C014DD1E-5D91-48A3-AD6D-45FBA980D106}" type="slidenum">
               <a:rPr lang="en-US" smtClean="0"/>
               <a:pPr/>
-              <a:t>6</a:t>
+              <a:t>4</a:t>
             </a:fld>
             <a:endParaRPr lang="en-US" dirty="0"/>
           </a:p>
@@ -5208,7 +3897,7 @@
 </p:sld>
 </file>
 
-<file path=ppt/slides/slide7.xml><?xml version="1.0" encoding="utf-8"?>
+<file path=ppt/slides/slide5.xml><?xml version="1.0" encoding="utf-8"?>
 <p:sld xmlns:a="http://schemas.openxmlformats.org/drawingml/2006/main" xmlns:r="http://schemas.openxmlformats.org/officeDocument/2006/relationships" xmlns:p="http://schemas.openxmlformats.org/presentationml/2006/main">
   <p:cSld>
     <p:spTree>
@@ -5243,7 +3932,7 @@
             <a:fld id="{C014DD1E-5D91-48A3-AD6D-45FBA980D106}" type="slidenum">
               <a:rPr lang="en-US" smtClean="0"/>
               <a:pPr/>
-              <a:t>7</a:t>
+              <a:t>5</a:t>
             </a:fld>
             <a:endParaRPr lang="en-US" dirty="0"/>
           </a:p>
@@ -5465,7 +4154,7 @@
 </p:sld>
 </file>
 
-<file path=ppt/slides/slide8.xml><?xml version="1.0" encoding="utf-8"?>
+<file path=ppt/slides/slide6.xml><?xml version="1.0" encoding="utf-8"?>
 <p:sld xmlns:a="http://schemas.openxmlformats.org/drawingml/2006/main" xmlns:r="http://schemas.openxmlformats.org/officeDocument/2006/relationships" xmlns:p="http://schemas.openxmlformats.org/presentationml/2006/main">
   <p:cSld>
     <p:spTree>
@@ -5500,7 +4189,7 @@
             <a:fld id="{C014DD1E-5D91-48A3-AD6D-45FBA980D106}" type="slidenum">
               <a:rPr lang="en-US" smtClean="0"/>
               <a:pPr/>
-              <a:t>8</a:t>
+              <a:t>6</a:t>
             </a:fld>
             <a:endParaRPr lang="en-US" dirty="0"/>
           </a:p>
@@ -5623,7 +4312,7 @@
 </p:sld>
 </file>
 
-<file path=ppt/slides/slide9.xml><?xml version="1.0" encoding="utf-8"?>
+<file path=ppt/slides/slide7.xml><?xml version="1.0" encoding="utf-8"?>
 <p:sld xmlns:a="http://schemas.openxmlformats.org/drawingml/2006/main" xmlns:r="http://schemas.openxmlformats.org/officeDocument/2006/relationships" xmlns:p="http://schemas.openxmlformats.org/presentationml/2006/main">
   <p:cSld>
     <p:spTree>
@@ -5658,7 +4347,7 @@
             <a:fld id="{C014DD1E-5D91-48A3-AD6D-45FBA980D106}" type="slidenum">
               <a:rPr lang="en-US" smtClean="0"/>
               <a:pPr/>
-              <a:t>9</a:t>
+              <a:t>7</a:t>
             </a:fld>
             <a:endParaRPr lang="en-US" dirty="0"/>
           </a:p>
@@ -6335,6 +5024,154 @@
       </p:par>
     </p:tnLst>
   </p:timing>
+</p:sld>
+</file>
+
+<file path=ppt/slides/slide8.xml><?xml version="1.0" encoding="utf-8"?>
+<p:sld xmlns:a="http://schemas.openxmlformats.org/drawingml/2006/main" xmlns:r="http://schemas.openxmlformats.org/officeDocument/2006/relationships" xmlns:p="http://schemas.openxmlformats.org/presentationml/2006/main">
+  <p:cSld>
+    <p:spTree>
+      <p:nvGrpSpPr>
+        <p:cNvPr id="1" name=""/>
+        <p:cNvGrpSpPr/>
+        <p:nvPr/>
+      </p:nvGrpSpPr>
+      <p:grpSpPr>
+        <a:xfrm>
+          <a:off x="0" y="0"/>
+          <a:ext cx="0" cy="0"/>
+          <a:chOff x="0" y="0"/>
+          <a:chExt cx="0" cy="0"/>
+        </a:xfrm>
+      </p:grpSpPr>
+      <p:pic>
+        <p:nvPicPr>
+          <p:cNvPr id="6" name="Graphic 5" descr="Teacher">
+            <a:extLst>
+              <a:ext uri="{FF2B5EF4-FFF2-40B4-BE49-F238E27FC236}">
+                <a16:creationId xmlns:a16="http://schemas.microsoft.com/office/drawing/2014/main" id="{2B2095DC-09C9-4F0A-B3AA-7B62240EEB64}"/>
+              </a:ext>
+            </a:extLst>
+          </p:cNvPr>
+          <p:cNvPicPr>
+            <a:picLocks noChangeAspect="1"/>
+          </p:cNvPicPr>
+          <p:nvPr/>
+        </p:nvPicPr>
+        <p:blipFill rotWithShape="1">
+          <a:blip r:embed="rId2" cstate="print">
+            <a:extLst>
+              <a:ext uri="{28A0092B-C50C-407E-A947-70E740481C1C}">
+                <a14:useLocalDpi xmlns:a14="http://schemas.microsoft.com/office/drawing/2010/main" val="0"/>
+              </a:ext>
+              <a:ext uri="{96DAC541-7B7A-43D3-8B79-37D633B846F1}">
+                <asvg:svgBlip xmlns:asvg="http://schemas.microsoft.com/office/drawing/2016/SVG/main" r:embed="rId3"/>
+              </a:ext>
+            </a:extLst>
+          </a:blip>
+          <a:srcRect l="3513" t="18824" r="3513" b="18824"/>
+          <a:stretch/>
+        </p:blipFill>
+        <p:spPr>
+          <a:xfrm>
+            <a:off x="2208212" y="1600200"/>
+            <a:ext cx="7620000" cy="4452036"/>
+          </a:xfrm>
+          <a:prstGeom prst="rect">
+            <a:avLst/>
+          </a:prstGeom>
+        </p:spPr>
+      </p:pic>
+      <p:sp>
+        <p:nvSpPr>
+          <p:cNvPr id="14" name="Title 13">
+            <a:extLst>
+              <a:ext uri="{FF2B5EF4-FFF2-40B4-BE49-F238E27FC236}">
+                <a16:creationId xmlns:a16="http://schemas.microsoft.com/office/drawing/2014/main" id="{5A21F164-F73F-4879-9293-D4D79AE3A5D0}"/>
+              </a:ext>
+            </a:extLst>
+          </p:cNvPr>
+          <p:cNvSpPr>
+            <a:spLocks noGrp="1"/>
+          </p:cNvSpPr>
+          <p:nvPr>
+            <p:ph type="title"/>
+          </p:nvPr>
+        </p:nvSpPr>
+        <p:spPr>
+          <a:xfrm>
+            <a:off x="188815" y="40341"/>
+            <a:ext cx="11620597" cy="1110780"/>
+          </a:xfrm>
+        </p:spPr>
+        <p:txBody>
+          <a:bodyPr>
+            <a:normAutofit/>
+          </a:bodyPr>
+          <a:lstStyle/>
+          <a:p>
+            <a:r>
+              <a:rPr lang="en-US" sz="4400" dirty="0"/>
+              <a:t>First Console Application in Visual Studio</a:t>
+            </a:r>
+          </a:p>
+        </p:txBody>
+      </p:sp>
+      <p:sp>
+        <p:nvSpPr>
+          <p:cNvPr id="17" name="TextBox 16">
+            <a:extLst>
+              <a:ext uri="{FF2B5EF4-FFF2-40B4-BE49-F238E27FC236}">
+                <a16:creationId xmlns:a16="http://schemas.microsoft.com/office/drawing/2014/main" id="{9A976462-45D9-4CA5-829F-30A529BB8769}"/>
+              </a:ext>
+            </a:extLst>
+          </p:cNvPr>
+          <p:cNvSpPr txBox="1"/>
+          <p:nvPr/>
+        </p:nvSpPr>
+        <p:spPr>
+          <a:xfrm>
+            <a:off x="5073741" y="2369978"/>
+            <a:ext cx="3906940" cy="834908"/>
+          </a:xfrm>
+          <a:prstGeom prst="roundRect">
+            <a:avLst>
+              <a:gd name="adj" fmla="val 5449"/>
+            </a:avLst>
+          </a:prstGeom>
+          <a:solidFill>
+            <a:schemeClr val="tx2">
+              <a:lumMod val="75000"/>
+            </a:schemeClr>
+          </a:solidFill>
+        </p:spPr>
+        <p:txBody>
+          <a:bodyPr wrap="none" lIns="108000" tIns="36000" rIns="108000" bIns="36000" rtlCol="0">
+            <a:spAutoFit/>
+          </a:bodyPr>
+          <a:lstStyle/>
+          <a:p>
+            <a:r>
+              <a:rPr lang="en-US" sz="4800" b="1" dirty="0">
+                <a:solidFill>
+                  <a:schemeClr val="bg1"/>
+                </a:solidFill>
+              </a:rPr>
+              <a:t>Try It Yourself!</a:t>
+            </a:r>
+          </a:p>
+        </p:txBody>
+      </p:sp>
+    </p:spTree>
+    <p:extLst>
+      <p:ext uri="{BB962C8B-B14F-4D97-AF65-F5344CB8AC3E}">
+        <p14:creationId xmlns:p14="http://schemas.microsoft.com/office/powerpoint/2010/main" val="3621599356"/>
+      </p:ext>
+    </p:extLst>
+  </p:cSld>
+  <p:clrMapOvr>
+    <a:masterClrMapping/>
+  </p:clrMapOvr>
 </p:sld>
 </file>
 

--- a/Presentation-Slides-CSharp-EN/Chapter-1-Into-Programming/06.Creating-a-Console-Application.pptx
+++ b/Presentation-Slides-CSharp-EN/Chapter-1-Into-Programming/06.Creating-a-Console-Application.pptx
@@ -5,10 +5,10 @@
     <p:sldMasterId id="2147483660" r:id="rId2"/>
   </p:sldMasterIdLst>
   <p:notesMasterIdLst>
-    <p:notesMasterId r:id="rId11"/>
+    <p:notesMasterId r:id="rId10"/>
   </p:notesMasterIdLst>
   <p:handoutMasterIdLst>
-    <p:handoutMasterId r:id="rId12"/>
+    <p:handoutMasterId r:id="rId11"/>
   </p:handoutMasterIdLst>
   <p:sldIdLst>
     <p:sldId id="397" r:id="rId3"/>
@@ -17,8 +17,7 @@
     <p:sldId id="403" r:id="rId6"/>
     <p:sldId id="400" r:id="rId7"/>
     <p:sldId id="411" r:id="rId8"/>
-    <p:sldId id="401" r:id="rId9"/>
-    <p:sldId id="278" r:id="rId10"/>
+    <p:sldId id="278" r:id="rId9"/>
   </p:sldIdLst>
   <p:sldSz cx="12188825" cy="6858000"/>
   <p:notesSz cx="6858000" cy="9144000"/>
@@ -4313,721 +4312,6 @@
 </file>
 
 <file path=ppt/slides/slide7.xml><?xml version="1.0" encoding="utf-8"?>
-<p:sld xmlns:a="http://schemas.openxmlformats.org/drawingml/2006/main" xmlns:r="http://schemas.openxmlformats.org/officeDocument/2006/relationships" xmlns:p="http://schemas.openxmlformats.org/presentationml/2006/main">
-  <p:cSld>
-    <p:spTree>
-      <p:nvGrpSpPr>
-        <p:cNvPr id="1" name=""/>
-        <p:cNvGrpSpPr/>
-        <p:nvPr/>
-      </p:nvGrpSpPr>
-      <p:grpSpPr>
-        <a:xfrm>
-          <a:off x="0" y="0"/>
-          <a:ext cx="0" cy="0"/>
-          <a:chOff x="0" y="0"/>
-          <a:chExt cx="0" cy="0"/>
-        </a:xfrm>
-      </p:grpSpPr>
-      <p:sp>
-        <p:nvSpPr>
-          <p:cNvPr id="2" name="Slide Number Placeholder 1"/>
-          <p:cNvSpPr>
-            <a:spLocks noGrp="1"/>
-          </p:cNvSpPr>
-          <p:nvPr>
-            <p:ph type="sldNum" sz="quarter" idx="4"/>
-          </p:nvPr>
-        </p:nvSpPr>
-        <p:spPr/>
-        <p:txBody>
-          <a:bodyPr/>
-          <a:lstStyle/>
-          <a:p>
-            <a:fld id="{C014DD1E-5D91-48A3-AD6D-45FBA980D106}" type="slidenum">
-              <a:rPr lang="en-US" smtClean="0"/>
-              <a:pPr/>
-              <a:t>7</a:t>
-            </a:fld>
-            <a:endParaRPr lang="en-US" dirty="0"/>
-          </a:p>
-        </p:txBody>
-      </p:sp>
-      <p:sp>
-        <p:nvSpPr>
-          <p:cNvPr id="3" name="Content Placeholder 2"/>
-          <p:cNvSpPr>
-            <a:spLocks noGrp="1"/>
-          </p:cNvSpPr>
-          <p:nvPr>
-            <p:ph idx="1"/>
-          </p:nvPr>
-        </p:nvSpPr>
-        <p:spPr/>
-        <p:txBody>
-          <a:bodyPr/>
-          <a:lstStyle/>
-          <a:p>
-            <a:r>
-              <a:rPr lang="en-US" dirty="0"/>
-              <a:t>Writing outside the </a:t>
-            </a:r>
-            <a:r>
-              <a:rPr lang="en-US" b="1" dirty="0">
-                <a:solidFill>
-                  <a:schemeClr val="tx2">
-                    <a:lumMod val="75000"/>
-                  </a:schemeClr>
-                </a:solidFill>
-                <a:latin typeface="Consolas" panose="020B0609020204030204" pitchFamily="49" charset="0"/>
-                <a:cs typeface="Consolas" panose="020B0609020204030204" pitchFamily="49" charset="0"/>
-              </a:rPr>
-              <a:t>Main()</a:t>
-            </a:r>
-            <a:r>
-              <a:rPr lang="bg-BG" dirty="0"/>
-              <a:t> </a:t>
-            </a:r>
-            <a:r>
-              <a:rPr lang="en-US" dirty="0"/>
-              <a:t>method</a:t>
-            </a:r>
-            <a:r>
-              <a:rPr lang="bg-BG" dirty="0"/>
-              <a:t>:</a:t>
-            </a:r>
-            <a:endParaRPr lang="en-US" dirty="0"/>
-          </a:p>
-          <a:p>
-            <a:endParaRPr lang="en-US" dirty="0"/>
-          </a:p>
-          <a:p>
-            <a:r>
-              <a:rPr lang="en-US" dirty="0"/>
-              <a:t>Wrong capital/lower casing</a:t>
-            </a:r>
-            <a:r>
-              <a:rPr lang="bg-BG" dirty="0"/>
-              <a:t>:</a:t>
-            </a:r>
-            <a:endParaRPr lang="en-US" dirty="0"/>
-          </a:p>
-          <a:p>
-            <a:endParaRPr lang="en-US" dirty="0"/>
-          </a:p>
-          <a:p>
-            <a:r>
-              <a:rPr lang="en-US" dirty="0"/>
-              <a:t>Missing</a:t>
-            </a:r>
-            <a:r>
-              <a:rPr lang="bg-BG" dirty="0"/>
-              <a:t> </a:t>
-            </a:r>
-            <a:r>
-              <a:rPr lang="en-US" b="1" dirty="0">
-                <a:solidFill>
-                  <a:schemeClr val="tx2">
-                    <a:lumMod val="75000"/>
-                  </a:schemeClr>
-                </a:solidFill>
-                <a:latin typeface="Consolas" panose="020B0609020204030204" pitchFamily="49" charset="0"/>
-                <a:cs typeface="Consolas" panose="020B0609020204030204" pitchFamily="49" charset="0"/>
-              </a:rPr>
-              <a:t>;</a:t>
-            </a:r>
-            <a:r>
-              <a:rPr lang="en-US" dirty="0"/>
-              <a:t> at the end of every command</a:t>
-            </a:r>
-          </a:p>
-          <a:p>
-            <a:endParaRPr lang="en-US" dirty="0"/>
-          </a:p>
-          <a:p>
-            <a:r>
-              <a:rPr lang="en-US" dirty="0"/>
-              <a:t>Missing quote</a:t>
-            </a:r>
-            <a:r>
-              <a:rPr lang="bg-BG" dirty="0"/>
-              <a:t> </a:t>
-            </a:r>
-            <a:r>
-              <a:rPr lang="en-US" b="1" dirty="0">
-                <a:solidFill>
-                  <a:schemeClr val="tx2">
-                    <a:lumMod val="75000"/>
-                  </a:schemeClr>
-                </a:solidFill>
-                <a:latin typeface="Consolas" panose="020B0609020204030204" pitchFamily="49" charset="0"/>
-                <a:cs typeface="Consolas" panose="020B0609020204030204" pitchFamily="49" charset="0"/>
-              </a:rPr>
-              <a:t>"</a:t>
-            </a:r>
-            <a:r>
-              <a:rPr lang="bg-BG" dirty="0"/>
-              <a:t> </a:t>
-            </a:r>
-            <a:r>
-              <a:rPr lang="en-US" dirty="0"/>
-              <a:t>or bracket</a:t>
-            </a:r>
-            <a:r>
-              <a:rPr lang="bg-BG" dirty="0"/>
-              <a:t> </a:t>
-            </a:r>
-            <a:r>
-              <a:rPr lang="en-US" b="1" dirty="0">
-                <a:solidFill>
-                  <a:schemeClr val="tx2">
-                    <a:lumMod val="75000"/>
-                  </a:schemeClr>
-                </a:solidFill>
-                <a:latin typeface="Consolas" panose="020B0609020204030204" pitchFamily="49" charset="0"/>
-                <a:cs typeface="Consolas" panose="020B0609020204030204" pitchFamily="49" charset="0"/>
-              </a:rPr>
-              <a:t>(</a:t>
-            </a:r>
-            <a:r>
-              <a:rPr lang="en-US" dirty="0"/>
-              <a:t> or </a:t>
-            </a:r>
-            <a:r>
-              <a:rPr lang="en-US" b="1" dirty="0">
-                <a:solidFill>
-                  <a:schemeClr val="tx2">
-                    <a:lumMod val="75000"/>
-                  </a:schemeClr>
-                </a:solidFill>
-                <a:latin typeface="Consolas" panose="020B0609020204030204" pitchFamily="49" charset="0"/>
-                <a:cs typeface="Consolas" panose="020B0609020204030204" pitchFamily="49" charset="0"/>
-              </a:rPr>
-              <a:t>)</a:t>
-            </a:r>
-          </a:p>
-        </p:txBody>
-      </p:sp>
-      <p:sp>
-        <p:nvSpPr>
-          <p:cNvPr id="4" name="Title 3"/>
-          <p:cNvSpPr>
-            <a:spLocks noGrp="1"/>
-          </p:cNvSpPr>
-          <p:nvPr>
-            <p:ph type="title"/>
-          </p:nvPr>
-        </p:nvSpPr>
-        <p:spPr/>
-        <p:txBody>
-          <a:bodyPr/>
-          <a:lstStyle/>
-          <a:p>
-            <a:r>
-              <a:rPr lang="en-US" dirty="0"/>
-              <a:t>Typical Mistakes</a:t>
-            </a:r>
-            <a:r>
-              <a:rPr lang="bg-BG" dirty="0"/>
-              <a:t> </a:t>
-            </a:r>
-            <a:r>
-              <a:rPr lang="en-US" dirty="0"/>
-              <a:t>in</a:t>
-            </a:r>
-            <a:r>
-              <a:rPr lang="bg-BG" dirty="0"/>
-              <a:t> </a:t>
-            </a:r>
-            <a:r>
-              <a:rPr lang="en-US" dirty="0"/>
-              <a:t>C# Program</a:t>
-            </a:r>
-          </a:p>
-        </p:txBody>
-      </p:sp>
-      <p:pic>
-        <p:nvPicPr>
-          <p:cNvPr id="6" name="Picture 5"/>
-          <p:cNvPicPr>
-            <a:picLocks noChangeAspect="1"/>
-          </p:cNvPicPr>
-          <p:nvPr/>
-        </p:nvPicPr>
-        <p:blipFill>
-          <a:blip r:embed="rId2"/>
-          <a:stretch>
-            <a:fillRect/>
-          </a:stretch>
-        </p:blipFill>
-        <p:spPr>
-          <a:xfrm>
-            <a:off x="832642" y="1855694"/>
-            <a:ext cx="5105400" cy="636645"/>
-          </a:xfrm>
-          <a:prstGeom prst="roundRect">
-            <a:avLst>
-              <a:gd name="adj" fmla="val 5807"/>
-            </a:avLst>
-          </a:prstGeom>
-        </p:spPr>
-      </p:pic>
-      <p:pic>
-        <p:nvPicPr>
-          <p:cNvPr id="7" name="Picture 6"/>
-          <p:cNvPicPr>
-            <a:picLocks noChangeAspect="1"/>
-          </p:cNvPicPr>
-          <p:nvPr/>
-        </p:nvPicPr>
-        <p:blipFill>
-          <a:blip r:embed="rId3"/>
-          <a:stretch>
-            <a:fillRect/>
-          </a:stretch>
-        </p:blipFill>
-        <p:spPr>
-          <a:xfrm>
-            <a:off x="835536" y="3250498"/>
-            <a:ext cx="5102506" cy="583144"/>
-          </a:xfrm>
-          <a:prstGeom prst="roundRect">
-            <a:avLst>
-              <a:gd name="adj" fmla="val 5807"/>
-            </a:avLst>
-          </a:prstGeom>
-        </p:spPr>
-      </p:pic>
-      <p:pic>
-        <p:nvPicPr>
-          <p:cNvPr id="8" name="Picture 7"/>
-          <p:cNvPicPr>
-            <a:picLocks noChangeAspect="1"/>
-          </p:cNvPicPr>
-          <p:nvPr/>
-        </p:nvPicPr>
-        <p:blipFill>
-          <a:blip r:embed="rId4"/>
-          <a:stretch>
-            <a:fillRect/>
-          </a:stretch>
-        </p:blipFill>
-        <p:spPr>
-          <a:xfrm>
-            <a:off x="6297653" y="3250498"/>
-            <a:ext cx="4875082" cy="583144"/>
-          </a:xfrm>
-          <a:prstGeom prst="roundRect">
-            <a:avLst>
-              <a:gd name="adj" fmla="val 5807"/>
-            </a:avLst>
-          </a:prstGeom>
-        </p:spPr>
-      </p:pic>
-      <p:pic>
-        <p:nvPicPr>
-          <p:cNvPr id="9" name="Picture 8"/>
-          <p:cNvPicPr>
-            <a:picLocks noChangeAspect="1"/>
-          </p:cNvPicPr>
-          <p:nvPr/>
-        </p:nvPicPr>
-        <p:blipFill>
-          <a:blip r:embed="rId5"/>
-          <a:stretch>
-            <a:fillRect/>
-          </a:stretch>
-        </p:blipFill>
-        <p:spPr>
-          <a:xfrm>
-            <a:off x="832642" y="4632850"/>
-            <a:ext cx="5105400" cy="615965"/>
-          </a:xfrm>
-          <a:prstGeom prst="roundRect">
-            <a:avLst>
-              <a:gd name="adj" fmla="val 5807"/>
-            </a:avLst>
-          </a:prstGeom>
-        </p:spPr>
-      </p:pic>
-      <p:pic>
-        <p:nvPicPr>
-          <p:cNvPr id="10" name="Picture 9"/>
-          <p:cNvPicPr>
-            <a:picLocks noChangeAspect="1"/>
-          </p:cNvPicPr>
-          <p:nvPr/>
-        </p:nvPicPr>
-        <p:blipFill>
-          <a:blip r:embed="rId6"/>
-          <a:stretch>
-            <a:fillRect/>
-          </a:stretch>
-        </p:blipFill>
-        <p:spPr>
-          <a:xfrm>
-            <a:off x="832641" y="5974152"/>
-            <a:ext cx="4888785" cy="550849"/>
-          </a:xfrm>
-          <a:prstGeom prst="roundRect">
-            <a:avLst>
-              <a:gd name="adj" fmla="val 5807"/>
-            </a:avLst>
-          </a:prstGeom>
-        </p:spPr>
-      </p:pic>
-      <p:pic>
-        <p:nvPicPr>
-          <p:cNvPr id="11" name="Picture 10"/>
-          <p:cNvPicPr>
-            <a:picLocks noChangeAspect="1"/>
-          </p:cNvPicPr>
-          <p:nvPr/>
-        </p:nvPicPr>
-        <p:blipFill>
-          <a:blip r:embed="rId7"/>
-          <a:stretch>
-            <a:fillRect/>
-          </a:stretch>
-        </p:blipFill>
-        <p:spPr>
-          <a:xfrm>
-            <a:off x="6090442" y="5974151"/>
-            <a:ext cx="5337970" cy="550847"/>
-          </a:xfrm>
-          <a:prstGeom prst="roundRect">
-            <a:avLst>
-              <a:gd name="adj" fmla="val 5807"/>
-            </a:avLst>
-          </a:prstGeom>
-        </p:spPr>
-      </p:pic>
-    </p:spTree>
-    <p:extLst>
-      <p:ext uri="{BB962C8B-B14F-4D97-AF65-F5344CB8AC3E}">
-        <p14:creationId xmlns:p14="http://schemas.microsoft.com/office/powerpoint/2010/main" val="2842807262"/>
-      </p:ext>
-    </p:extLst>
-  </p:cSld>
-  <p:clrMapOvr>
-    <a:masterClrMapping/>
-  </p:clrMapOvr>
-  <p:timing>
-    <p:tnLst>
-      <p:par>
-        <p:cTn id="1" dur="indefinite" restart="never" nodeType="tmRoot">
-          <p:childTnLst>
-            <p:seq concurrent="1" nextAc="seek">
-              <p:cTn id="2" dur="indefinite" nodeType="mainSeq">
-                <p:childTnLst>
-                  <p:par>
-                    <p:cTn id="3" fill="hold">
-                      <p:stCondLst>
-                        <p:cond delay="indefinite"/>
-                      </p:stCondLst>
-                      <p:childTnLst>
-                        <p:par>
-                          <p:cTn id="4" fill="hold">
-                            <p:stCondLst>
-                              <p:cond delay="0"/>
-                            </p:stCondLst>
-                            <p:childTnLst>
-                              <p:par>
-                                <p:cTn id="5" presetID="1" presetClass="entr" presetSubtype="0" fill="hold" nodeType="clickEffect">
-                                  <p:stCondLst>
-                                    <p:cond delay="0"/>
-                                  </p:stCondLst>
-                                  <p:childTnLst>
-                                    <p:set>
-                                      <p:cBhvr>
-                                        <p:cTn id="6" dur="1" fill="hold">
-                                          <p:stCondLst>
-                                            <p:cond delay="0"/>
-                                          </p:stCondLst>
-                                        </p:cTn>
-                                        <p:tgtEl>
-                                          <p:spTgt spid="3">
-                                            <p:txEl>
-                                              <p:pRg st="2" end="2"/>
-                                            </p:txEl>
-                                          </p:spTgt>
-                                        </p:tgtEl>
-                                        <p:attrNameLst>
-                                          <p:attrName>style.visibility</p:attrName>
-                                        </p:attrNameLst>
-                                      </p:cBhvr>
-                                      <p:to>
-                                        <p:strVal val="visible"/>
-                                      </p:to>
-                                    </p:set>
-                                  </p:childTnLst>
-                                </p:cTn>
-                              </p:par>
-                              <p:par>
-                                <p:cTn id="7" presetID="1" presetClass="entr" presetSubtype="0" fill="hold" nodeType="withEffect">
-                                  <p:stCondLst>
-                                    <p:cond delay="0"/>
-                                  </p:stCondLst>
-                                  <p:childTnLst>
-                                    <p:set>
-                                      <p:cBhvr>
-                                        <p:cTn id="8" dur="1" fill="hold">
-                                          <p:stCondLst>
-                                            <p:cond delay="0"/>
-                                          </p:stCondLst>
-                                        </p:cTn>
-                                        <p:tgtEl>
-                                          <p:spTgt spid="7"/>
-                                        </p:tgtEl>
-                                        <p:attrNameLst>
-                                          <p:attrName>style.visibility</p:attrName>
-                                        </p:attrNameLst>
-                                      </p:cBhvr>
-                                      <p:to>
-                                        <p:strVal val="visible"/>
-                                      </p:to>
-                                    </p:set>
-                                  </p:childTnLst>
-                                </p:cTn>
-                              </p:par>
-                              <p:par>
-                                <p:cTn id="9" presetID="1" presetClass="entr" presetSubtype="0" fill="hold" nodeType="withEffect">
-                                  <p:stCondLst>
-                                    <p:cond delay="0"/>
-                                  </p:stCondLst>
-                                  <p:childTnLst>
-                                    <p:set>
-                                      <p:cBhvr>
-                                        <p:cTn id="10" dur="1" fill="hold">
-                                          <p:stCondLst>
-                                            <p:cond delay="0"/>
-                                          </p:stCondLst>
-                                        </p:cTn>
-                                        <p:tgtEl>
-                                          <p:spTgt spid="8"/>
-                                        </p:tgtEl>
-                                        <p:attrNameLst>
-                                          <p:attrName>style.visibility</p:attrName>
-                                        </p:attrNameLst>
-                                      </p:cBhvr>
-                                      <p:to>
-                                        <p:strVal val="visible"/>
-                                      </p:to>
-                                    </p:set>
-                                  </p:childTnLst>
-                                </p:cTn>
-                              </p:par>
-                            </p:childTnLst>
-                          </p:cTn>
-                        </p:par>
-                      </p:childTnLst>
-                    </p:cTn>
-                  </p:par>
-                  <p:par>
-                    <p:cTn id="11" fill="hold">
-                      <p:stCondLst>
-                        <p:cond delay="indefinite"/>
-                      </p:stCondLst>
-                      <p:childTnLst>
-                        <p:par>
-                          <p:cTn id="12" fill="hold">
-                            <p:stCondLst>
-                              <p:cond delay="0"/>
-                            </p:stCondLst>
-                            <p:childTnLst>
-                              <p:par>
-                                <p:cTn id="13" presetID="1" presetClass="entr" presetSubtype="0" fill="hold" nodeType="clickEffect">
-                                  <p:stCondLst>
-                                    <p:cond delay="0"/>
-                                  </p:stCondLst>
-                                  <p:childTnLst>
-                                    <p:set>
-                                      <p:cBhvr>
-                                        <p:cTn id="14" dur="1" fill="hold">
-                                          <p:stCondLst>
-                                            <p:cond delay="0"/>
-                                          </p:stCondLst>
-                                        </p:cTn>
-                                        <p:tgtEl>
-                                          <p:spTgt spid="3">
-                                            <p:txEl>
-                                              <p:pRg st="4" end="4"/>
-                                            </p:txEl>
-                                          </p:spTgt>
-                                        </p:tgtEl>
-                                        <p:attrNameLst>
-                                          <p:attrName>style.visibility</p:attrName>
-                                        </p:attrNameLst>
-                                      </p:cBhvr>
-                                      <p:to>
-                                        <p:strVal val="visible"/>
-                                      </p:to>
-                                    </p:set>
-                                  </p:childTnLst>
-                                </p:cTn>
-                              </p:par>
-                              <p:par>
-                                <p:cTn id="15" presetID="1" presetClass="entr" presetSubtype="0" fill="hold" nodeType="withEffect">
-                                  <p:stCondLst>
-                                    <p:cond delay="0"/>
-                                  </p:stCondLst>
-                                  <p:childTnLst>
-                                    <p:set>
-                                      <p:cBhvr>
-                                        <p:cTn id="16" dur="1" fill="hold">
-                                          <p:stCondLst>
-                                            <p:cond delay="0"/>
-                                          </p:stCondLst>
-                                        </p:cTn>
-                                        <p:tgtEl>
-                                          <p:spTgt spid="9"/>
-                                        </p:tgtEl>
-                                        <p:attrNameLst>
-                                          <p:attrName>style.visibility</p:attrName>
-                                        </p:attrNameLst>
-                                      </p:cBhvr>
-                                      <p:to>
-                                        <p:strVal val="visible"/>
-                                      </p:to>
-                                    </p:set>
-                                  </p:childTnLst>
-                                </p:cTn>
-                              </p:par>
-                            </p:childTnLst>
-                          </p:cTn>
-                        </p:par>
-                      </p:childTnLst>
-                    </p:cTn>
-                  </p:par>
-                  <p:par>
-                    <p:cTn id="17" fill="hold">
-                      <p:stCondLst>
-                        <p:cond delay="indefinite"/>
-                      </p:stCondLst>
-                      <p:childTnLst>
-                        <p:par>
-                          <p:cTn id="18" fill="hold">
-                            <p:stCondLst>
-                              <p:cond delay="0"/>
-                            </p:stCondLst>
-                            <p:childTnLst>
-                              <p:par>
-                                <p:cTn id="19" presetID="1" presetClass="entr" presetSubtype="0" fill="hold" nodeType="clickEffect">
-                                  <p:stCondLst>
-                                    <p:cond delay="0"/>
-                                  </p:stCondLst>
-                                  <p:childTnLst>
-                                    <p:set>
-                                      <p:cBhvr>
-                                        <p:cTn id="20" dur="1" fill="hold">
-                                          <p:stCondLst>
-                                            <p:cond delay="0"/>
-                                          </p:stCondLst>
-                                        </p:cTn>
-                                        <p:tgtEl>
-                                          <p:spTgt spid="3">
-                                            <p:txEl>
-                                              <p:pRg st="6" end="6"/>
-                                            </p:txEl>
-                                          </p:spTgt>
-                                        </p:tgtEl>
-                                        <p:attrNameLst>
-                                          <p:attrName>style.visibility</p:attrName>
-                                        </p:attrNameLst>
-                                      </p:cBhvr>
-                                      <p:to>
-                                        <p:strVal val="visible"/>
-                                      </p:to>
-                                    </p:set>
-                                  </p:childTnLst>
-                                </p:cTn>
-                              </p:par>
-                              <p:par>
-                                <p:cTn id="21" presetID="1" presetClass="entr" presetSubtype="0" fill="hold" nodeType="withEffect">
-                                  <p:stCondLst>
-                                    <p:cond delay="0"/>
-                                  </p:stCondLst>
-                                  <p:childTnLst>
-                                    <p:set>
-                                      <p:cBhvr>
-                                        <p:cTn id="22" dur="1" fill="hold">
-                                          <p:stCondLst>
-                                            <p:cond delay="0"/>
-                                          </p:stCondLst>
-                                        </p:cTn>
-                                        <p:tgtEl>
-                                          <p:spTgt spid="10"/>
-                                        </p:tgtEl>
-                                        <p:attrNameLst>
-                                          <p:attrName>style.visibility</p:attrName>
-                                        </p:attrNameLst>
-                                      </p:cBhvr>
-                                      <p:to>
-                                        <p:strVal val="visible"/>
-                                      </p:to>
-                                    </p:set>
-                                  </p:childTnLst>
-                                </p:cTn>
-                              </p:par>
-                              <p:par>
-                                <p:cTn id="23" presetID="1" presetClass="entr" presetSubtype="0" fill="hold" nodeType="withEffect">
-                                  <p:stCondLst>
-                                    <p:cond delay="0"/>
-                                  </p:stCondLst>
-                                  <p:childTnLst>
-                                    <p:set>
-                                      <p:cBhvr>
-                                        <p:cTn id="24" dur="1" fill="hold">
-                                          <p:stCondLst>
-                                            <p:cond delay="0"/>
-                                          </p:stCondLst>
-                                        </p:cTn>
-                                        <p:tgtEl>
-                                          <p:spTgt spid="11"/>
-                                        </p:tgtEl>
-                                        <p:attrNameLst>
-                                          <p:attrName>style.visibility</p:attrName>
-                                        </p:attrNameLst>
-                                      </p:cBhvr>
-                                      <p:to>
-                                        <p:strVal val="visible"/>
-                                      </p:to>
-                                    </p:set>
-                                  </p:childTnLst>
-                                </p:cTn>
-                              </p:par>
-                            </p:childTnLst>
-                          </p:cTn>
-                        </p:par>
-                      </p:childTnLst>
-                    </p:cTn>
-                  </p:par>
-                </p:childTnLst>
-              </p:cTn>
-              <p:prevCondLst>
-                <p:cond evt="onPrev" delay="0">
-                  <p:tgtEl>
-                    <p:sldTgt/>
-                  </p:tgtEl>
-                </p:cond>
-              </p:prevCondLst>
-              <p:nextCondLst>
-                <p:cond evt="onNext" delay="0">
-                  <p:tgtEl>
-                    <p:sldTgt/>
-                  </p:tgtEl>
-                </p:cond>
-              </p:nextCondLst>
-            </p:seq>
-          </p:childTnLst>
-        </p:cTn>
-      </p:par>
-    </p:tnLst>
-  </p:timing>
-</p:sld>
-</file>
-
-<file path=ppt/slides/slide8.xml><?xml version="1.0" encoding="utf-8"?>
 <p:sld xmlns:a="http://schemas.openxmlformats.org/drawingml/2006/main" xmlns:r="http://schemas.openxmlformats.org/officeDocument/2006/relationships" xmlns:p="http://schemas.openxmlformats.org/presentationml/2006/main">
   <p:cSld>
     <p:spTree>
